--- a/Chap/Prog02/Presentations/Enumerations.pptx
+++ b/Chap/Prog02/Presentations/Enumerations.pptx
@@ -253,7 +253,7 @@
           <a:p>
             <a:fld id="{E15B7D8E-2A20-4C0E-991C-872DBB7459A8}" type="datetimeFigureOut">
               <a:rPr lang="da-DK" smtClean="0"/>
-              <a:t>11-08-2022</a:t>
+              <a:t>24-08-2024</a:t>
             </a:fld>
             <a:endParaRPr lang="da-DK"/>
           </a:p>
@@ -421,7 +421,7 @@
           <a:p>
             <a:fld id="{E15B7D8E-2A20-4C0E-991C-872DBB7459A8}" type="datetimeFigureOut">
               <a:rPr lang="da-DK" smtClean="0"/>
-              <a:t>11-08-2022</a:t>
+              <a:t>24-08-2024</a:t>
             </a:fld>
             <a:endParaRPr lang="da-DK"/>
           </a:p>
@@ -599,7 +599,7 @@
           <a:p>
             <a:fld id="{E15B7D8E-2A20-4C0E-991C-872DBB7459A8}" type="datetimeFigureOut">
               <a:rPr lang="da-DK" smtClean="0"/>
-              <a:t>11-08-2022</a:t>
+              <a:t>24-08-2024</a:t>
             </a:fld>
             <a:endParaRPr lang="da-DK"/>
           </a:p>
@@ -767,7 +767,7 @@
           <a:p>
             <a:fld id="{E15B7D8E-2A20-4C0E-991C-872DBB7459A8}" type="datetimeFigureOut">
               <a:rPr lang="da-DK" smtClean="0"/>
-              <a:t>11-08-2022</a:t>
+              <a:t>24-08-2024</a:t>
             </a:fld>
             <a:endParaRPr lang="da-DK"/>
           </a:p>
@@ -1012,7 +1012,7 @@
           <a:p>
             <a:fld id="{E15B7D8E-2A20-4C0E-991C-872DBB7459A8}" type="datetimeFigureOut">
               <a:rPr lang="da-DK" smtClean="0"/>
-              <a:t>11-08-2022</a:t>
+              <a:t>24-08-2024</a:t>
             </a:fld>
             <a:endParaRPr lang="da-DK"/>
           </a:p>
@@ -1241,7 +1241,7 @@
           <a:p>
             <a:fld id="{E15B7D8E-2A20-4C0E-991C-872DBB7459A8}" type="datetimeFigureOut">
               <a:rPr lang="da-DK" smtClean="0"/>
-              <a:t>11-08-2022</a:t>
+              <a:t>24-08-2024</a:t>
             </a:fld>
             <a:endParaRPr lang="da-DK"/>
           </a:p>
@@ -1605,7 +1605,7 @@
           <a:p>
             <a:fld id="{E15B7D8E-2A20-4C0E-991C-872DBB7459A8}" type="datetimeFigureOut">
               <a:rPr lang="da-DK" smtClean="0"/>
-              <a:t>11-08-2022</a:t>
+              <a:t>24-08-2024</a:t>
             </a:fld>
             <a:endParaRPr lang="da-DK"/>
           </a:p>
@@ -1722,7 +1722,7 @@
           <a:p>
             <a:fld id="{E15B7D8E-2A20-4C0E-991C-872DBB7459A8}" type="datetimeFigureOut">
               <a:rPr lang="da-DK" smtClean="0"/>
-              <a:t>11-08-2022</a:t>
+              <a:t>24-08-2024</a:t>
             </a:fld>
             <a:endParaRPr lang="da-DK"/>
           </a:p>
@@ -1817,7 +1817,7 @@
           <a:p>
             <a:fld id="{E15B7D8E-2A20-4C0E-991C-872DBB7459A8}" type="datetimeFigureOut">
               <a:rPr lang="da-DK" smtClean="0"/>
-              <a:t>11-08-2022</a:t>
+              <a:t>24-08-2024</a:t>
             </a:fld>
             <a:endParaRPr lang="da-DK"/>
           </a:p>
@@ -2092,7 +2092,7 @@
           <a:p>
             <a:fld id="{E15B7D8E-2A20-4C0E-991C-872DBB7459A8}" type="datetimeFigureOut">
               <a:rPr lang="da-DK" smtClean="0"/>
-              <a:t>11-08-2022</a:t>
+              <a:t>24-08-2024</a:t>
             </a:fld>
             <a:endParaRPr lang="da-DK"/>
           </a:p>
@@ -2344,7 +2344,7 @@
           <a:p>
             <a:fld id="{E15B7D8E-2A20-4C0E-991C-872DBB7459A8}" type="datetimeFigureOut">
               <a:rPr lang="da-DK" smtClean="0"/>
-              <a:t>11-08-2022</a:t>
+              <a:t>24-08-2024</a:t>
             </a:fld>
             <a:endParaRPr lang="da-DK"/>
           </a:p>
@@ -2555,7 +2555,7 @@
           <a:p>
             <a:fld id="{E15B7D8E-2A20-4C0E-991C-872DBB7459A8}" type="datetimeFigureOut">
               <a:rPr lang="da-DK" smtClean="0"/>
-              <a:t>11-08-2022</a:t>
+              <a:t>24-08-2024</a:t>
             </a:fld>
             <a:endParaRPr lang="da-DK"/>
           </a:p>
@@ -2972,7 +2972,7 @@
         </p:nvSpPr>
         <p:spPr>
           <a:xfrm>
-            <a:off x="1524000" y="1244197"/>
+            <a:off x="1524000" y="1486712"/>
             <a:ext cx="9144000" cy="2047959"/>
           </a:xfrm>
         </p:spPr>
@@ -3206,7 +3206,7 @@
         <p:spPr>
           <a:xfrm>
             <a:off x="1123627" y="847148"/>
-            <a:ext cx="9932462" cy="2185214"/>
+            <a:ext cx="7543295" cy="2185214"/>
           </a:xfrm>
           <a:prstGeom prst="rect">
             <a:avLst/>
@@ -3224,23 +3224,6 @@
             </a:endParaRPr>
           </a:p>
           <a:p>
-            <a:r>
-              <a:rPr lang="da-DK" sz="2800" b="1">
-                <a:solidFill>
-                  <a:schemeClr val="accent6">
-                    <a:lumMod val="75000"/>
-                  </a:schemeClr>
-                </a:solidFill>
-                <a:latin typeface="Consolas" panose="020B0609020204030204" pitchFamily="49" charset="0"/>
-              </a:rPr>
-              <a:t>Fruit</a:t>
-            </a:r>
-            <a:r>
-              <a:rPr lang="da-DK" sz="2800" b="1">
-                <a:latin typeface="Consolas" panose="020B0609020204030204" pitchFamily="49" charset="0"/>
-              </a:rPr>
-              <a:t>.</a:t>
-            </a:r>
             <a:r>
               <a:rPr lang="da-DK" sz="2800" b="1">
                 <a:solidFill>
@@ -3257,23 +3240,6 @@
                 <a:latin typeface="Consolas" panose="020B0609020204030204" pitchFamily="49" charset="0"/>
               </a:rPr>
               <a:t> fruitA = </a:t>
-            </a:r>
-            <a:r>
-              <a:rPr lang="da-DK" sz="2800" b="1">
-                <a:solidFill>
-                  <a:schemeClr val="accent6">
-                    <a:lumMod val="75000"/>
-                  </a:schemeClr>
-                </a:solidFill>
-                <a:latin typeface="Consolas" panose="020B0609020204030204" pitchFamily="49" charset="0"/>
-              </a:rPr>
-              <a:t>Fruit</a:t>
-            </a:r>
-            <a:r>
-              <a:rPr lang="da-DK" sz="2800" b="1">
-                <a:latin typeface="Consolas" panose="020B0609020204030204" pitchFamily="49" charset="0"/>
-              </a:rPr>
-              <a:t>.</a:t>
             </a:r>
             <a:r>
               <a:rPr lang="da-DK" sz="2800" b="1">
@@ -3523,13 +3489,13 @@
                 </a:solidFill>
                 <a:latin typeface="Consolas" panose="020B0609020204030204" pitchFamily="49" charset="0"/>
               </a:rPr>
-              <a:t>Fruit</a:t>
+              <a:t>FruitType</a:t>
             </a:r>
             <a:r>
               <a:rPr lang="da-DK" sz="2800" b="1">
                 <a:latin typeface="Consolas" panose="020B0609020204030204" pitchFamily="49" charset="0"/>
               </a:rPr>
-              <a:t>.</a:t>
+              <a:t> fruitA = </a:t>
             </a:r>
             <a:r>
               <a:rPr lang="da-DK" sz="2800" b="1">
@@ -3546,40 +3512,6 @@
               <a:rPr lang="da-DK" sz="2800" b="1">
                 <a:latin typeface="Consolas" panose="020B0609020204030204" pitchFamily="49" charset="0"/>
               </a:rPr>
-              <a:t> fruitA = </a:t>
-            </a:r>
-            <a:r>
-              <a:rPr lang="da-DK" sz="2800" b="1">
-                <a:solidFill>
-                  <a:schemeClr val="accent6">
-                    <a:lumMod val="75000"/>
-                  </a:schemeClr>
-                </a:solidFill>
-                <a:latin typeface="Consolas" panose="020B0609020204030204" pitchFamily="49" charset="0"/>
-              </a:rPr>
-              <a:t>Fruit</a:t>
-            </a:r>
-            <a:r>
-              <a:rPr lang="da-DK" sz="2800" b="1">
-                <a:latin typeface="Consolas" panose="020B0609020204030204" pitchFamily="49" charset="0"/>
-              </a:rPr>
-              <a:t>.</a:t>
-            </a:r>
-            <a:r>
-              <a:rPr lang="da-DK" sz="2800" b="1">
-                <a:solidFill>
-                  <a:schemeClr val="accent6">
-                    <a:lumMod val="75000"/>
-                  </a:schemeClr>
-                </a:solidFill>
-                <a:latin typeface="Consolas" panose="020B0609020204030204" pitchFamily="49" charset="0"/>
-              </a:rPr>
-              <a:t>FruitType</a:t>
-            </a:r>
-            <a:r>
-              <a:rPr lang="da-DK" sz="2800" b="1">
-                <a:latin typeface="Consolas" panose="020B0609020204030204" pitchFamily="49" charset="0"/>
-              </a:rPr>
               <a:t>.Kiwi;</a:t>
             </a:r>
           </a:p>
@@ -3609,23 +3541,6 @@
             </a:endParaRPr>
           </a:p>
           <a:p>
-            <a:r>
-              <a:rPr lang="da-DK" sz="2800" b="1">
-                <a:solidFill>
-                  <a:schemeClr val="accent6">
-                    <a:lumMod val="75000"/>
-                  </a:schemeClr>
-                </a:solidFill>
-                <a:latin typeface="Consolas" panose="020B0609020204030204" pitchFamily="49" charset="0"/>
-              </a:rPr>
-              <a:t>Fruit</a:t>
-            </a:r>
-            <a:r>
-              <a:rPr lang="da-DK" sz="2800" b="1">
-                <a:latin typeface="Consolas" panose="020B0609020204030204" pitchFamily="49" charset="0"/>
-              </a:rPr>
-              <a:t>.</a:t>
-            </a:r>
             <a:r>
               <a:rPr lang="da-DK" sz="2800" b="1">
                 <a:solidFill>
@@ -3929,13 +3844,13 @@
                 </a:solidFill>
                 <a:latin typeface="Consolas" panose="020B0609020204030204" pitchFamily="49" charset="0"/>
               </a:rPr>
-              <a:t>Fruit</a:t>
+              <a:t>FruitType</a:t>
             </a:r>
             <a:r>
               <a:rPr lang="da-DK" sz="2800" b="1">
                 <a:latin typeface="Consolas" panose="020B0609020204030204" pitchFamily="49" charset="0"/>
               </a:rPr>
-              <a:t>.</a:t>
+              <a:t> fruitA = </a:t>
             </a:r>
             <a:r>
               <a:rPr lang="da-DK" sz="2800" b="1">
@@ -3952,25 +3867,35 @@
               <a:rPr lang="da-DK" sz="2800" b="1">
                 <a:latin typeface="Consolas" panose="020B0609020204030204" pitchFamily="49" charset="0"/>
               </a:rPr>
-              <a:t> fruitA = </a:t>
-            </a:r>
-            <a:r>
-              <a:rPr lang="da-DK" sz="2800" b="1">
-                <a:solidFill>
-                  <a:schemeClr val="accent6">
-                    <a:lumMod val="75000"/>
-                  </a:schemeClr>
-                </a:solidFill>
-                <a:latin typeface="Consolas" panose="020B0609020204030204" pitchFamily="49" charset="0"/>
-              </a:rPr>
-              <a:t>Fruit</a:t>
-            </a:r>
-            <a:r>
-              <a:rPr lang="da-DK" sz="2800" b="1">
-                <a:latin typeface="Consolas" panose="020B0609020204030204" pitchFamily="49" charset="0"/>
-              </a:rPr>
-              <a:t>.</a:t>
-            </a:r>
+              <a:t>.Kiwi;</a:t>
+            </a:r>
+          </a:p>
+          <a:p>
+            <a:endParaRPr lang="da-DK" sz="2800" b="1">
+              <a:latin typeface="Consolas" panose="020B0609020204030204" pitchFamily="49" charset="0"/>
+            </a:endParaRPr>
+          </a:p>
+          <a:p>
+            <a:endParaRPr lang="da-DK" sz="2800" b="1">
+              <a:solidFill>
+                <a:schemeClr val="accent6">
+                  <a:lumMod val="75000"/>
+                </a:schemeClr>
+              </a:solidFill>
+              <a:latin typeface="Consolas" panose="020B0609020204030204" pitchFamily="49" charset="0"/>
+            </a:endParaRPr>
+          </a:p>
+          <a:p>
+            <a:endParaRPr lang="da-DK" sz="2800" b="1">
+              <a:solidFill>
+                <a:schemeClr val="accent6">
+                  <a:lumMod val="75000"/>
+                </a:schemeClr>
+              </a:solidFill>
+              <a:latin typeface="Consolas" panose="020B0609020204030204" pitchFamily="49" charset="0"/>
+            </a:endParaRPr>
+          </a:p>
+          <a:p>
             <a:r>
               <a:rPr lang="da-DK" sz="2800" b="1">
                 <a:solidFill>
@@ -3986,85 +3911,7 @@
               <a:rPr lang="da-DK" sz="2800" b="1">
                 <a:latin typeface="Consolas" panose="020B0609020204030204" pitchFamily="49" charset="0"/>
               </a:rPr>
-              <a:t>.Kiwi;</a:t>
-            </a:r>
-          </a:p>
-          <a:p>
-            <a:endParaRPr lang="da-DK" sz="2800" b="1">
-              <a:latin typeface="Consolas" panose="020B0609020204030204" pitchFamily="49" charset="0"/>
-            </a:endParaRPr>
-          </a:p>
-          <a:p>
-            <a:endParaRPr lang="da-DK" sz="2800" b="1">
-              <a:solidFill>
-                <a:schemeClr val="accent6">
-                  <a:lumMod val="75000"/>
-                </a:schemeClr>
-              </a:solidFill>
-              <a:latin typeface="Consolas" panose="020B0609020204030204" pitchFamily="49" charset="0"/>
-            </a:endParaRPr>
-          </a:p>
-          <a:p>
-            <a:endParaRPr lang="da-DK" sz="2800" b="1">
-              <a:solidFill>
-                <a:schemeClr val="accent6">
-                  <a:lumMod val="75000"/>
-                </a:schemeClr>
-              </a:solidFill>
-              <a:latin typeface="Consolas" panose="020B0609020204030204" pitchFamily="49" charset="0"/>
-            </a:endParaRPr>
-          </a:p>
-          <a:p>
-            <a:r>
-              <a:rPr lang="da-DK" sz="2800" b="1">
-                <a:solidFill>
-                  <a:schemeClr val="accent6">
-                    <a:lumMod val="75000"/>
-                  </a:schemeClr>
-                </a:solidFill>
-                <a:latin typeface="Consolas" panose="020B0609020204030204" pitchFamily="49" charset="0"/>
-              </a:rPr>
-              <a:t>Fruit</a:t>
-            </a:r>
-            <a:r>
-              <a:rPr lang="da-DK" sz="2800" b="1">
-                <a:latin typeface="Consolas" panose="020B0609020204030204" pitchFamily="49" charset="0"/>
-              </a:rPr>
-              <a:t>.</a:t>
-            </a:r>
-            <a:r>
-              <a:rPr lang="da-DK" sz="2800" b="1">
-                <a:solidFill>
-                  <a:schemeClr val="accent6">
-                    <a:lumMod val="75000"/>
-                  </a:schemeClr>
-                </a:solidFill>
-                <a:latin typeface="Consolas" panose="020B0609020204030204" pitchFamily="49" charset="0"/>
-              </a:rPr>
-              <a:t>FruitType</a:t>
-            </a:r>
-            <a:r>
-              <a:rPr lang="da-DK" sz="2800" b="1">
-                <a:latin typeface="Consolas" panose="020B0609020204030204" pitchFamily="49" charset="0"/>
-              </a:rPr>
               <a:t> fruitB = </a:t>
-            </a:r>
-            <a:r>
-              <a:rPr lang="da-DK" sz="2800" b="1">
-                <a:solidFill>
-                  <a:schemeClr val="accent6">
-                    <a:lumMod val="75000"/>
-                  </a:schemeClr>
-                </a:solidFill>
-                <a:latin typeface="Consolas" panose="020B0609020204030204" pitchFamily="49" charset="0"/>
-              </a:rPr>
-              <a:t>Fruit</a:t>
-            </a:r>
-            <a:r>
-              <a:rPr lang="da-DK" sz="2800" b="1">
-                <a:latin typeface="Consolas" panose="020B0609020204030204" pitchFamily="49" charset="0"/>
-              </a:rPr>
-              <a:t>.</a:t>
             </a:r>
             <a:r>
               <a:rPr lang="da-DK" sz="2800" b="1">
